--- a/reports/Project Status 1.pptx
+++ b/reports/Project Status 1.pptx
@@ -125,7 +125,7 @@
 <file path=ppt/revisionInfo.xml><?xml version="1.0" encoding="utf-8"?>
 <p1510:revInfo xmlns:a="http://schemas.openxmlformats.org/drawingml/2006/main" xmlns:r="http://schemas.openxmlformats.org/officeDocument/2006/relationships" xmlns:p1510="http://schemas.microsoft.com/office/powerpoint/2015/10/main">
   <p1510:revLst>
-    <p1510:client id="{A99676E5-F613-47DD-860C-4131B5D51A3E}" v="344" dt="2018-06-11T08:44:34.104"/>
+    <p1510:client id="{792301BE-B7ED-42CA-8277-2802715EE6A0}" v="2" dt="2018-07-23T12:23:27.499"/>
   </p1510:revLst>
 </p1510:revInfo>
 </file>
@@ -201,28 +201,29 @@
           </ac:picMkLst>
         </pc:picChg>
       </pc:sldChg>
-      <pc:sldChg chg="modSp add del">
-        <pc:chgData name="Arunabh Ghosh" userId="7064b204c6fa9c53" providerId="LiveId" clId="{A99676E5-F613-47DD-860C-4131B5D51A3E}" dt="2018-06-11T08:42:27.371" v="342" actId="2696"/>
+    </pc:docChg>
+  </pc:docChgLst>
+  <pc:docChgLst>
+    <pc:chgData name="Arunabh Ghosh" userId="7064b204c6fa9c53" providerId="LiveId" clId="{792301BE-B7ED-42CA-8277-2802715EE6A0}"/>
+    <pc:docChg chg="modSld">
+      <pc:chgData name="Arunabh Ghosh" userId="7064b204c6fa9c53" providerId="LiveId" clId="{792301BE-B7ED-42CA-8277-2802715EE6A0}" dt="2018-07-23T12:23:27.499" v="1" actId="1036"/>
+      <pc:docMkLst>
+        <pc:docMk/>
+      </pc:docMkLst>
+      <pc:sldChg chg="modSp">
+        <pc:chgData name="Arunabh Ghosh" userId="7064b204c6fa9c53" providerId="LiveId" clId="{792301BE-B7ED-42CA-8277-2802715EE6A0}" dt="2018-07-23T12:23:27.499" v="1" actId="1036"/>
         <pc:sldMkLst>
           <pc:docMk/>
-          <pc:sldMk cId="1249725330" sldId="269"/>
+          <pc:sldMk cId="1288951151" sldId="263"/>
         </pc:sldMkLst>
-        <pc:spChg chg="mod">
-          <ac:chgData name="Arunabh Ghosh" userId="7064b204c6fa9c53" providerId="LiveId" clId="{A99676E5-F613-47DD-860C-4131B5D51A3E}" dt="2018-06-11T08:40:13.914" v="235" actId="20577"/>
-          <ac:spMkLst>
+        <pc:picChg chg="mod">
+          <ac:chgData name="Arunabh Ghosh" userId="7064b204c6fa9c53" providerId="LiveId" clId="{792301BE-B7ED-42CA-8277-2802715EE6A0}" dt="2018-07-23T12:23:27.499" v="1" actId="1036"/>
+          <ac:picMkLst>
             <pc:docMk/>
-            <pc:sldMk cId="1249725330" sldId="269"/>
-            <ac:spMk id="2" creationId="{21134A3F-3328-4A7A-852E-342333A47D94}"/>
-          </ac:spMkLst>
-        </pc:spChg>
-        <pc:spChg chg="mod">
-          <ac:chgData name="Arunabh Ghosh" userId="7064b204c6fa9c53" providerId="LiveId" clId="{A99676E5-F613-47DD-860C-4131B5D51A3E}" dt="2018-06-11T08:41:16.419" v="341" actId="20577"/>
-          <ac:spMkLst>
-            <pc:docMk/>
-            <pc:sldMk cId="1249725330" sldId="269"/>
-            <ac:spMk id="3" creationId="{5CE50C8C-1C44-47C0-BAF9-43B966E710E2}"/>
-          </ac:spMkLst>
-        </pc:spChg>
+            <pc:sldMk cId="1288951151" sldId="263"/>
+            <ac:picMk id="4" creationId="{91DF7D0E-3699-420C-8E2C-860197739564}"/>
+          </ac:picMkLst>
+        </pc:picChg>
       </pc:sldChg>
     </pc:docChg>
   </pc:docChgLst>
@@ -378,7 +379,7 @@
           <a:p>
             <a:fld id="{8A219451-A2EC-4A9B-8C46-51D81EC79EF8}" type="datetimeFigureOut">
               <a:rPr lang="en-IN" smtClean="0"/>
-              <a:t>11-06-2018</a:t>
+              <a:t>23-07-2018</a:t>
             </a:fld>
             <a:endParaRPr lang="en-IN"/>
           </a:p>
@@ -578,7 +579,7 @@
           <a:p>
             <a:fld id="{8A219451-A2EC-4A9B-8C46-51D81EC79EF8}" type="datetimeFigureOut">
               <a:rPr lang="en-IN" smtClean="0"/>
-              <a:t>11-06-2018</a:t>
+              <a:t>23-07-2018</a:t>
             </a:fld>
             <a:endParaRPr lang="en-IN"/>
           </a:p>
@@ -788,7 +789,7 @@
           <a:p>
             <a:fld id="{8A219451-A2EC-4A9B-8C46-51D81EC79EF8}" type="datetimeFigureOut">
               <a:rPr lang="en-IN" smtClean="0"/>
-              <a:t>11-06-2018</a:t>
+              <a:t>23-07-2018</a:t>
             </a:fld>
             <a:endParaRPr lang="en-IN"/>
           </a:p>
@@ -988,7 +989,7 @@
           <a:p>
             <a:fld id="{8A219451-A2EC-4A9B-8C46-51D81EC79EF8}" type="datetimeFigureOut">
               <a:rPr lang="en-IN" smtClean="0"/>
-              <a:t>11-06-2018</a:t>
+              <a:t>23-07-2018</a:t>
             </a:fld>
             <a:endParaRPr lang="en-IN"/>
           </a:p>
@@ -1264,7 +1265,7 @@
           <a:p>
             <a:fld id="{8A219451-A2EC-4A9B-8C46-51D81EC79EF8}" type="datetimeFigureOut">
               <a:rPr lang="en-IN" smtClean="0"/>
-              <a:t>11-06-2018</a:t>
+              <a:t>23-07-2018</a:t>
             </a:fld>
             <a:endParaRPr lang="en-IN"/>
           </a:p>
@@ -1532,7 +1533,7 @@
           <a:p>
             <a:fld id="{8A219451-A2EC-4A9B-8C46-51D81EC79EF8}" type="datetimeFigureOut">
               <a:rPr lang="en-IN" smtClean="0"/>
-              <a:t>11-06-2018</a:t>
+              <a:t>23-07-2018</a:t>
             </a:fld>
             <a:endParaRPr lang="en-IN"/>
           </a:p>
@@ -1947,7 +1948,7 @@
           <a:p>
             <a:fld id="{8A219451-A2EC-4A9B-8C46-51D81EC79EF8}" type="datetimeFigureOut">
               <a:rPr lang="en-IN" smtClean="0"/>
-              <a:t>11-06-2018</a:t>
+              <a:t>23-07-2018</a:t>
             </a:fld>
             <a:endParaRPr lang="en-IN"/>
           </a:p>
@@ -2089,7 +2090,7 @@
           <a:p>
             <a:fld id="{8A219451-A2EC-4A9B-8C46-51D81EC79EF8}" type="datetimeFigureOut">
               <a:rPr lang="en-IN" smtClean="0"/>
-              <a:t>11-06-2018</a:t>
+              <a:t>23-07-2018</a:t>
             </a:fld>
             <a:endParaRPr lang="en-IN"/>
           </a:p>
@@ -2202,7 +2203,7 @@
           <a:p>
             <a:fld id="{8A219451-A2EC-4A9B-8C46-51D81EC79EF8}" type="datetimeFigureOut">
               <a:rPr lang="en-IN" smtClean="0"/>
-              <a:t>11-06-2018</a:t>
+              <a:t>23-07-2018</a:t>
             </a:fld>
             <a:endParaRPr lang="en-IN"/>
           </a:p>
@@ -2515,7 +2516,7 @@
           <a:p>
             <a:fld id="{8A219451-A2EC-4A9B-8C46-51D81EC79EF8}" type="datetimeFigureOut">
               <a:rPr lang="en-IN" smtClean="0"/>
-              <a:t>11-06-2018</a:t>
+              <a:t>23-07-2018</a:t>
             </a:fld>
             <a:endParaRPr lang="en-IN"/>
           </a:p>
@@ -2804,7 +2805,7 @@
           <a:p>
             <a:fld id="{8A219451-A2EC-4A9B-8C46-51D81EC79EF8}" type="datetimeFigureOut">
               <a:rPr lang="en-IN" smtClean="0"/>
-              <a:t>11-06-2018</a:t>
+              <a:t>23-07-2018</a:t>
             </a:fld>
             <a:endParaRPr lang="en-IN"/>
           </a:p>
@@ -3047,7 +3048,7 @@
           <a:p>
             <a:fld id="{8A219451-A2EC-4A9B-8C46-51D81EC79EF8}" type="datetimeFigureOut">
               <a:rPr lang="en-IN" smtClean="0"/>
-              <a:t>11-06-2018</a:t>
+              <a:t>23-07-2018</a:t>
             </a:fld>
             <a:endParaRPr lang="en-IN"/>
           </a:p>
@@ -5902,8 +5903,8 @@
           </a:p>
         </p:txBody>
       </p:sp>
-      <mc:AlternateContent xmlns:mc="http://schemas.openxmlformats.org/markup-compatibility/2006">
-        <mc:Choice xmlns:a14="http://schemas.microsoft.com/office/drawing/2010/main" Requires="a14">
+      <mc:AlternateContent xmlns:mc="http://schemas.openxmlformats.org/markup-compatibility/2006" xmlns:a14="http://schemas.microsoft.com/office/drawing/2010/main">
+        <mc:Choice Requires="a14">
           <p:sp>
             <p:nvSpPr>
               <p:cNvPr id="3" name="Content Placeholder 2">
@@ -5993,7 +5994,7 @@
             </p:txBody>
           </p:sp>
         </mc:Choice>
-        <mc:Fallback>
+        <mc:Fallback xmlns="">
           <p:sp>
             <p:nvSpPr>
               <p:cNvPr id="3" name="Content Placeholder 2">
@@ -6865,7 +6866,7 @@
         </p:blipFill>
         <p:spPr>
           <a:xfrm>
-            <a:off x="5872448" y="492573"/>
+            <a:off x="5872448" y="454866"/>
             <a:ext cx="5116292" cy="5880796"/>
           </a:xfrm>
           <a:prstGeom prst="rect">
